--- a/1_Table.pptx
+++ b/1_Table.pptx
@@ -142,6 +142,11 @@
       </a:defRPr>
     </a:lvl9pPr>
   </p:defaultTextStyle>
+  <p:extLst>
+    <p:ext uri="{EFAFB233-063F-42B5-8137-9DF3F51BA10A}">
+      <p15:sldGuideLst xmlns:p15="http://schemas.microsoft.com/office/powerpoint/2012/main"/>
+    </p:ext>
+  </p:extLst>
 </p:presentation>
 </file>
 
@@ -298,7 +303,7 @@
           <a:p>
             <a:fld id="{7228BAB9-5340-4C74-BDBD-CE9B51085BD3}" type="datetimeFigureOut">
               <a:rPr lang="zh-TW" altLang="en-US" smtClean="0"/>
-              <a:t>2017/12/31</a:t>
+              <a:t>2018/1/17</a:t>
             </a:fld>
             <a:endParaRPr lang="zh-TW" altLang="en-US"/>
           </a:p>
@@ -498,7 +503,7 @@
           <a:p>
             <a:fld id="{7228BAB9-5340-4C74-BDBD-CE9B51085BD3}" type="datetimeFigureOut">
               <a:rPr lang="zh-TW" altLang="en-US" smtClean="0"/>
-              <a:t>2017/12/31</a:t>
+              <a:t>2018/1/17</a:t>
             </a:fld>
             <a:endParaRPr lang="zh-TW" altLang="en-US"/>
           </a:p>
@@ -708,7 +713,7 @@
           <a:p>
             <a:fld id="{7228BAB9-5340-4C74-BDBD-CE9B51085BD3}" type="datetimeFigureOut">
               <a:rPr lang="zh-TW" altLang="en-US" smtClean="0"/>
-              <a:t>2017/12/31</a:t>
+              <a:t>2018/1/17</a:t>
             </a:fld>
             <a:endParaRPr lang="zh-TW" altLang="en-US"/>
           </a:p>
@@ -908,7 +913,7 @@
           <a:p>
             <a:fld id="{7228BAB9-5340-4C74-BDBD-CE9B51085BD3}" type="datetimeFigureOut">
               <a:rPr lang="zh-TW" altLang="en-US" smtClean="0"/>
-              <a:t>2017/12/31</a:t>
+              <a:t>2018/1/17</a:t>
             </a:fld>
             <a:endParaRPr lang="zh-TW" altLang="en-US"/>
           </a:p>
@@ -1184,7 +1189,7 @@
           <a:p>
             <a:fld id="{7228BAB9-5340-4C74-BDBD-CE9B51085BD3}" type="datetimeFigureOut">
               <a:rPr lang="zh-TW" altLang="en-US" smtClean="0"/>
-              <a:t>2017/12/31</a:t>
+              <a:t>2018/1/17</a:t>
             </a:fld>
             <a:endParaRPr lang="zh-TW" altLang="en-US"/>
           </a:p>
@@ -1452,7 +1457,7 @@
           <a:p>
             <a:fld id="{7228BAB9-5340-4C74-BDBD-CE9B51085BD3}" type="datetimeFigureOut">
               <a:rPr lang="zh-TW" altLang="en-US" smtClean="0"/>
-              <a:t>2017/12/31</a:t>
+              <a:t>2018/1/17</a:t>
             </a:fld>
             <a:endParaRPr lang="zh-TW" altLang="en-US"/>
           </a:p>
@@ -1867,7 +1872,7 @@
           <a:p>
             <a:fld id="{7228BAB9-5340-4C74-BDBD-CE9B51085BD3}" type="datetimeFigureOut">
               <a:rPr lang="zh-TW" altLang="en-US" smtClean="0"/>
-              <a:t>2017/12/31</a:t>
+              <a:t>2018/1/17</a:t>
             </a:fld>
             <a:endParaRPr lang="zh-TW" altLang="en-US"/>
           </a:p>
@@ -2009,7 +2014,7 @@
           <a:p>
             <a:fld id="{7228BAB9-5340-4C74-BDBD-CE9B51085BD3}" type="datetimeFigureOut">
               <a:rPr lang="zh-TW" altLang="en-US" smtClean="0"/>
-              <a:t>2017/12/31</a:t>
+              <a:t>2018/1/17</a:t>
             </a:fld>
             <a:endParaRPr lang="zh-TW" altLang="en-US"/>
           </a:p>
@@ -2122,7 +2127,7 @@
           <a:p>
             <a:fld id="{7228BAB9-5340-4C74-BDBD-CE9B51085BD3}" type="datetimeFigureOut">
               <a:rPr lang="zh-TW" altLang="en-US" smtClean="0"/>
-              <a:t>2017/12/31</a:t>
+              <a:t>2018/1/17</a:t>
             </a:fld>
             <a:endParaRPr lang="zh-TW" altLang="en-US"/>
           </a:p>
@@ -2435,7 +2440,7 @@
           <a:p>
             <a:fld id="{7228BAB9-5340-4C74-BDBD-CE9B51085BD3}" type="datetimeFigureOut">
               <a:rPr lang="zh-TW" altLang="en-US" smtClean="0"/>
-              <a:t>2017/12/31</a:t>
+              <a:t>2018/1/17</a:t>
             </a:fld>
             <a:endParaRPr lang="zh-TW" altLang="en-US"/>
           </a:p>
@@ -2724,7 +2729,7 @@
           <a:p>
             <a:fld id="{7228BAB9-5340-4C74-BDBD-CE9B51085BD3}" type="datetimeFigureOut">
               <a:rPr lang="zh-TW" altLang="en-US" smtClean="0"/>
-              <a:t>2017/12/31</a:t>
+              <a:t>2018/1/17</a:t>
             </a:fld>
             <a:endParaRPr lang="zh-TW" altLang="en-US"/>
           </a:p>
@@ -2967,7 +2972,7 @@
           <a:p>
             <a:fld id="{7228BAB9-5340-4C74-BDBD-CE9B51085BD3}" type="datetimeFigureOut">
               <a:rPr lang="zh-TW" altLang="en-US" smtClean="0"/>
-              <a:t>2017/12/31</a:t>
+              <a:t>2018/1/17</a:t>
             </a:fld>
             <a:endParaRPr lang="zh-TW" altLang="en-US"/>
           </a:p>
@@ -3967,7 +3972,7 @@
           <a:p>
             <a:r>
               <a:rPr lang="en-GB" altLang="zh-TW" dirty="0"/>
-              <a:t>No size limit</a:t>
+              <a:t>No size limit (can be implemented using a resizable array)</a:t>
             </a:r>
             <a:endParaRPr lang="zh-TW" altLang="en-US" dirty="0"/>
           </a:p>
@@ -4107,15 +4112,19 @@
             </a:r>
             <a:r>
               <a:rPr lang="en-GB" altLang="zh-TW" dirty="0"/>
-              <a:t>&gt; s1, stack&lt;</a:t>
+              <a:t>&gt;&amp; s1, stack&lt;</a:t>
             </a:r>
             <a:r>
               <a:rPr lang="en-GB" altLang="zh-TW" dirty="0" err="1"/>
               <a:t>int</a:t>
             </a:r>
             <a:r>
+              <a:rPr lang="en-GB" altLang="zh-TW"/>
+              <a:t>&gt;&amp; </a:t>
+            </a:r>
+            <a:r>
               <a:rPr lang="en-GB" altLang="zh-TW" dirty="0"/>
-              <a:t>&gt; s2)</a:t>
+              <a:t>s2)</a:t>
             </a:r>
             <a:endParaRPr lang="zh-TW" altLang="en-US" dirty="0"/>
           </a:p>
@@ -4196,7 +4205,7 @@
             <p:ph idx="1"/>
             <p:extLst>
               <p:ext uri="{D42A27DB-BD31-4B8C-83A1-F6EECF244321}">
-                <p14:modId xmlns:p14="http://schemas.microsoft.com/office/powerpoint/2010/main" val="2358649784"/>
+                <p14:modId xmlns:p14="http://schemas.microsoft.com/office/powerpoint/2010/main" val="638717597"/>
               </p:ext>
             </p:extLst>
           </p:nvPr>
@@ -4212,21 +4221,28 @@
                 <a:tableStyleId>{5C22544A-7EE6-4342-B048-85BDC9FD1C3A}</a:tableStyleId>
               </a:tblPr>
               <a:tblGrid>
-                <a:gridCol w="3505200">
+                <a:gridCol w="2628900">
                   <a:extLst>
                     <a:ext uri="{9D8B030D-6E8A-4147-A177-3AD203B41FA5}">
                       <a16:colId xmlns:a16="http://schemas.microsoft.com/office/drawing/2014/main" val="2556071817"/>
                     </a:ext>
                   </a:extLst>
                 </a:gridCol>
-                <a:gridCol w="3505200">
+                <a:gridCol w="2628900">
                   <a:extLst>
                     <a:ext uri="{9D8B030D-6E8A-4147-A177-3AD203B41FA5}">
                       <a16:colId xmlns:a16="http://schemas.microsoft.com/office/drawing/2014/main" val="1659918474"/>
                     </a:ext>
                   </a:extLst>
                 </a:gridCol>
-                <a:gridCol w="3505200">
+                <a:gridCol w="2628900">
+                  <a:extLst>
+                    <a:ext uri="{9D8B030D-6E8A-4147-A177-3AD203B41FA5}">
+                      <a16:colId xmlns:a16="http://schemas.microsoft.com/office/drawing/2014/main" val="3293724190"/>
+                    </a:ext>
+                  </a:extLst>
+                </a:gridCol>
+                <a:gridCol w="2628900">
                   <a:extLst>
                     <a:ext uri="{9D8B030D-6E8A-4147-A177-3AD203B41FA5}">
                       <a16:colId xmlns:a16="http://schemas.microsoft.com/office/drawing/2014/main" val="4129765944"/>
@@ -4253,6 +4269,20 @@
                       <a:r>
                         <a:rPr lang="en-GB" altLang="zh-TW" dirty="0"/>
                         <a:t>Array</a:t>
+                      </a:r>
+                      <a:endParaRPr lang="zh-TW" altLang="en-US" dirty="0"/>
+                    </a:p>
+                  </a:txBody>
+                  <a:tcPr/>
+                </a:tc>
+                <a:tc>
+                  <a:txBody>
+                    <a:bodyPr/>
+                    <a:lstStyle/>
+                    <a:p>
+                      <a:r>
+                        <a:rPr lang="en-US" altLang="zh-TW" dirty="0"/>
+                        <a:t>Resizable array</a:t>
                       </a:r>
                       <a:endParaRPr lang="zh-TW" altLang="en-US" dirty="0"/>
                     </a:p>
@@ -4314,6 +4344,20 @@
                     <a:lstStyle/>
                     <a:p>
                       <a:r>
+                        <a:rPr lang="en-US" altLang="zh-TW" dirty="0"/>
+                        <a:t>Dynamic</a:t>
+                      </a:r>
+                      <a:endParaRPr lang="zh-TW" altLang="en-US" dirty="0"/>
+                    </a:p>
+                  </a:txBody>
+                  <a:tcPr/>
+                </a:tc>
+                <a:tc>
+                  <a:txBody>
+                    <a:bodyPr/>
+                    <a:lstStyle/>
+                    <a:p>
+                      <a:r>
                         <a:rPr lang="en-GB" altLang="zh-TW" dirty="0"/>
                         <a:t>Dynamic</a:t>
                       </a:r>
@@ -4357,8 +4401,22 @@
                     <a:lstStyle/>
                     <a:p>
                       <a:r>
-                        <a:rPr lang="en-GB" altLang="zh-TW" dirty="0"/>
-                        <a:t>Instant</a:t>
+                        <a:rPr lang="en-GB" altLang="zh-TW"/>
+                        <a:t>O(1)</a:t>
+                      </a:r>
+                      <a:endParaRPr lang="zh-TW" altLang="en-US" dirty="0"/>
+                    </a:p>
+                  </a:txBody>
+                  <a:tcPr/>
+                </a:tc>
+                <a:tc>
+                  <a:txBody>
+                    <a:bodyPr/>
+                    <a:lstStyle/>
+                    <a:p>
+                      <a:r>
+                        <a:rPr lang="en-US" altLang="zh-TW" dirty="0"/>
+                        <a:t>O(1)</a:t>
                       </a:r>
                       <a:endParaRPr lang="zh-TW" altLang="en-US" dirty="0"/>
                     </a:p>
@@ -5720,7 +5778,7 @@
         <p:spPr>
           <a:xfrm>
             <a:off x="1006867" y="4344111"/>
-            <a:ext cx="10007029" cy="523220"/>
+            <a:ext cx="10007029" cy="954107"/>
           </a:xfrm>
           <a:prstGeom prst="rect">
             <a:avLst/>
@@ -5740,6 +5798,16 @@
             <a:r>
               <a:rPr lang="en-GB" altLang="zh-TW" sz="2800" dirty="0"/>
               <a:t>Does the previous algorithms still work?</a:t>
+            </a:r>
+          </a:p>
+          <a:p>
+            <a:pPr marL="285750" indent="-285750">
+              <a:buFont typeface="Arial" panose="020B0604020202020204" pitchFamily="34" charset="0"/>
+              <a:buChar char="•"/>
+            </a:pPr>
+            <a:r>
+              <a:rPr lang="en-GB" altLang="zh-TW" sz="2800" dirty="0"/>
+              <a:t>E.g. size??</a:t>
             </a:r>
             <a:endParaRPr lang="zh-TW" altLang="en-US" sz="2800" dirty="0"/>
           </a:p>
@@ -7276,8 +7344,8 @@
           </a:p>
         </p:txBody>
       </p:sp>
-      <mc:AlternateContent xmlns:mc="http://schemas.openxmlformats.org/markup-compatibility/2006">
-        <mc:Choice xmlns:a14="http://schemas.microsoft.com/office/drawing/2010/main" Requires="a14">
+      <mc:AlternateContent xmlns:mc="http://schemas.openxmlformats.org/markup-compatibility/2006" xmlns:a14="http://schemas.microsoft.com/office/drawing/2010/main">
+        <mc:Choice Requires="a14">
           <p:sp>
             <p:nvSpPr>
               <p:cNvPr id="3" name="Content Placeholder 2">
@@ -7366,7 +7434,7 @@
             </p:txBody>
           </p:sp>
         </mc:Choice>
-        <mc:Fallback>
+        <mc:Fallback xmlns="">
           <p:sp>
             <p:nvSpPr>
               <p:cNvPr id="3" name="Content Placeholder 2">
@@ -7717,8 +7785,8 @@
           </a:p>
         </p:txBody>
       </p:sp>
-      <mc:AlternateContent xmlns:mc="http://schemas.openxmlformats.org/markup-compatibility/2006">
-        <mc:Choice xmlns:a14="http://schemas.microsoft.com/office/drawing/2010/main" Requires="a14">
+      <mc:AlternateContent xmlns:mc="http://schemas.openxmlformats.org/markup-compatibility/2006" xmlns:a14="http://schemas.microsoft.com/office/drawing/2010/main">
+        <mc:Choice Requires="a14">
           <p:sp>
             <p:nvSpPr>
               <p:cNvPr id="3" name="Content Placeholder 2">
@@ -7858,7 +7926,7 @@
             </p:txBody>
           </p:sp>
         </mc:Choice>
-        <mc:Fallback>
+        <mc:Fallback xmlns="">
           <p:sp>
             <p:nvSpPr>
               <p:cNvPr id="3" name="Content Placeholder 2">
@@ -8045,8 +8113,8 @@
           </a:p>
         </p:txBody>
       </p:sp>
-      <mc:AlternateContent xmlns:mc="http://schemas.openxmlformats.org/markup-compatibility/2006">
-        <mc:Choice xmlns:a14="http://schemas.microsoft.com/office/drawing/2010/main" Requires="a14">
+      <mc:AlternateContent xmlns:mc="http://schemas.openxmlformats.org/markup-compatibility/2006" xmlns:a14="http://schemas.microsoft.com/office/drawing/2010/main">
+        <mc:Choice Requires="a14">
           <p:sp>
             <p:nvSpPr>
               <p:cNvPr id="3" name="Content Placeholder 2">
@@ -8229,7 +8297,7 @@
             </p:txBody>
           </p:sp>
         </mc:Choice>
-        <mc:Fallback>
+        <mc:Fallback xmlns="">
           <p:sp>
             <p:nvSpPr>
               <p:cNvPr id="3" name="Content Placeholder 2">
@@ -8707,8 +8775,8 @@
           </a:p>
         </p:txBody>
       </p:sp>
-      <mc:AlternateContent xmlns:mc="http://schemas.openxmlformats.org/markup-compatibility/2006">
-        <mc:Choice xmlns:a14="http://schemas.microsoft.com/office/drawing/2010/main" Requires="a14">
+      <mc:AlternateContent xmlns:mc="http://schemas.openxmlformats.org/markup-compatibility/2006" xmlns:a14="http://schemas.microsoft.com/office/drawing/2010/main">
+        <mc:Choice Requires="a14">
           <p:sp>
             <p:nvSpPr>
               <p:cNvPr id="3" name="Content Placeholder 2">
@@ -8831,7 +8899,7 @@
             </p:txBody>
           </p:sp>
         </mc:Choice>
-        <mc:Fallback>
+        <mc:Fallback xmlns="">
           <p:sp>
             <p:nvSpPr>
               <p:cNvPr id="3" name="Content Placeholder 2">
